--- a/Chapter7/Figures/Fig4.pptx
+++ b/Chapter7/Figures/Fig4.pptx
@@ -288,7 +288,7 @@
           <a:p>
             <a:fld id="{4D792E19-0BEC-4B8D-B7D3-C8ECEB03A1A5}" type="datetimeFigureOut">
               <a:rPr lang="en-GB" smtClean="0"/>
-              <a:t>05/06/2014</a:t>
+              <a:t>30/06/2014</a:t>
             </a:fld>
             <a:endParaRPr lang="en-GB"/>
           </a:p>
@@ -458,7 +458,7 @@
           <a:p>
             <a:fld id="{4D792E19-0BEC-4B8D-B7D3-C8ECEB03A1A5}" type="datetimeFigureOut">
               <a:rPr lang="en-GB" smtClean="0"/>
-              <a:t>05/06/2014</a:t>
+              <a:t>30/06/2014</a:t>
             </a:fld>
             <a:endParaRPr lang="en-GB"/>
           </a:p>
@@ -638,7 +638,7 @@
           <a:p>
             <a:fld id="{4D792E19-0BEC-4B8D-B7D3-C8ECEB03A1A5}" type="datetimeFigureOut">
               <a:rPr lang="en-GB" smtClean="0"/>
-              <a:t>05/06/2014</a:t>
+              <a:t>30/06/2014</a:t>
             </a:fld>
             <a:endParaRPr lang="en-GB"/>
           </a:p>
@@ -808,7 +808,7 @@
           <a:p>
             <a:fld id="{4D792E19-0BEC-4B8D-B7D3-C8ECEB03A1A5}" type="datetimeFigureOut">
               <a:rPr lang="en-GB" smtClean="0"/>
-              <a:t>05/06/2014</a:t>
+              <a:t>30/06/2014</a:t>
             </a:fld>
             <a:endParaRPr lang="en-GB"/>
           </a:p>
@@ -1054,7 +1054,7 @@
           <a:p>
             <a:fld id="{4D792E19-0BEC-4B8D-B7D3-C8ECEB03A1A5}" type="datetimeFigureOut">
               <a:rPr lang="en-GB" smtClean="0"/>
-              <a:t>05/06/2014</a:t>
+              <a:t>30/06/2014</a:t>
             </a:fld>
             <a:endParaRPr lang="en-GB"/>
           </a:p>
@@ -1342,7 +1342,7 @@
           <a:p>
             <a:fld id="{4D792E19-0BEC-4B8D-B7D3-C8ECEB03A1A5}" type="datetimeFigureOut">
               <a:rPr lang="en-GB" smtClean="0"/>
-              <a:t>05/06/2014</a:t>
+              <a:t>30/06/2014</a:t>
             </a:fld>
             <a:endParaRPr lang="en-GB"/>
           </a:p>
@@ -1764,7 +1764,7 @@
           <a:p>
             <a:fld id="{4D792E19-0BEC-4B8D-B7D3-C8ECEB03A1A5}" type="datetimeFigureOut">
               <a:rPr lang="en-GB" smtClean="0"/>
-              <a:t>05/06/2014</a:t>
+              <a:t>30/06/2014</a:t>
             </a:fld>
             <a:endParaRPr lang="en-GB"/>
           </a:p>
@@ -1882,7 +1882,7 @@
           <a:p>
             <a:fld id="{4D792E19-0BEC-4B8D-B7D3-C8ECEB03A1A5}" type="datetimeFigureOut">
               <a:rPr lang="en-GB" smtClean="0"/>
-              <a:t>05/06/2014</a:t>
+              <a:t>30/06/2014</a:t>
             </a:fld>
             <a:endParaRPr lang="en-GB"/>
           </a:p>
@@ -1977,7 +1977,7 @@
           <a:p>
             <a:fld id="{4D792E19-0BEC-4B8D-B7D3-C8ECEB03A1A5}" type="datetimeFigureOut">
               <a:rPr lang="en-GB" smtClean="0"/>
-              <a:t>05/06/2014</a:t>
+              <a:t>30/06/2014</a:t>
             </a:fld>
             <a:endParaRPr lang="en-GB"/>
           </a:p>
@@ -2254,7 +2254,7 @@
           <a:p>
             <a:fld id="{4D792E19-0BEC-4B8D-B7D3-C8ECEB03A1A5}" type="datetimeFigureOut">
               <a:rPr lang="en-GB" smtClean="0"/>
-              <a:t>05/06/2014</a:t>
+              <a:t>30/06/2014</a:t>
             </a:fld>
             <a:endParaRPr lang="en-GB"/>
           </a:p>
@@ -2507,7 +2507,7 @@
           <a:p>
             <a:fld id="{4D792E19-0BEC-4B8D-B7D3-C8ECEB03A1A5}" type="datetimeFigureOut">
               <a:rPr lang="en-GB" smtClean="0"/>
-              <a:t>05/06/2014</a:t>
+              <a:t>30/06/2014</a:t>
             </a:fld>
             <a:endParaRPr lang="en-GB"/>
           </a:p>
@@ -2720,7 +2720,7 @@
           <a:p>
             <a:fld id="{4D792E19-0BEC-4B8D-B7D3-C8ECEB03A1A5}" type="datetimeFigureOut">
               <a:rPr lang="en-GB" smtClean="0"/>
-              <a:t>05/06/2014</a:t>
+              <a:t>30/06/2014</a:t>
             </a:fld>
             <a:endParaRPr lang="en-GB"/>
           </a:p>
@@ -3391,7 +3391,7 @@
         </p:blipFill>
         <p:spPr bwMode="auto">
           <a:xfrm>
-            <a:off x="8461222" y="2436459"/>
+            <a:off x="7955308" y="2194427"/>
             <a:ext cx="2220339" cy="2169694"/>
           </a:xfrm>
           <a:prstGeom prst="rect">
@@ -10095,7 +10095,7 @@
         </p:nvCxnSpPr>
         <p:spPr>
           <a:xfrm>
-            <a:off x="4403680" y="4862377"/>
+            <a:off x="4365580" y="4881427"/>
             <a:ext cx="0" cy="180000"/>
           </a:xfrm>
           <a:prstGeom prst="straightConnector1">
@@ -10171,7 +10171,7 @@
         </p:nvCxnSpPr>
         <p:spPr>
           <a:xfrm>
-            <a:off x="3773434" y="10545750"/>
+            <a:off x="3744859" y="10545750"/>
             <a:ext cx="0" cy="180000"/>
           </a:xfrm>
           <a:prstGeom prst="straightConnector1">
@@ -10209,7 +10209,7 @@
         </p:nvCxnSpPr>
         <p:spPr>
           <a:xfrm>
-            <a:off x="4354855" y="10164035"/>
+            <a:off x="4326280" y="10164035"/>
             <a:ext cx="0" cy="180000"/>
           </a:xfrm>
           <a:prstGeom prst="straightConnector1">
@@ -10265,7 +10265,6 @@
               <a:rPr lang="en-GB" sz="2200" dirty="0" smtClean="0"/>
               <a:t>Ti</a:t>
             </a:r>
-            <a:endParaRPr lang="en-GB" sz="2200" dirty="0" smtClean="0"/>
           </a:p>
         </p:txBody>
       </p:sp>

--- a/Chapter7/Figures/Fig4.pptx
+++ b/Chapter7/Figures/Fig4.pptx
@@ -7,7 +7,7 @@
   <p:sldIdLst>
     <p:sldId id="256" r:id="rId2"/>
   </p:sldIdLst>
-  <p:sldSz cx="10801350" cy="12241213"/>
+  <p:sldSz cx="10801350" cy="13322300"/>
   <p:notesSz cx="6858000" cy="9144000"/>
   <p:defaultTextStyle>
     <a:defPPr>
@@ -136,8 +136,8 @@
         </p:nvSpPr>
         <p:spPr>
           <a:xfrm>
-            <a:off x="810110" y="3802715"/>
-            <a:ext cx="9181149" cy="2623927"/>
+            <a:off x="810111" y="4138554"/>
+            <a:ext cx="9181149" cy="2855660"/>
           </a:xfrm>
         </p:spPr>
         <p:txBody>
@@ -164,8 +164,8 @@
         </p:nvSpPr>
         <p:spPr>
           <a:xfrm>
-            <a:off x="1620212" y="6936691"/>
-            <a:ext cx="7560945" cy="3128310"/>
+            <a:off x="1620213" y="7549307"/>
+            <a:ext cx="7560945" cy="3404588"/>
           </a:xfrm>
         </p:spPr>
         <p:txBody>
@@ -288,7 +288,7 @@
           <a:p>
             <a:fld id="{4D792E19-0BEC-4B8D-B7D3-C8ECEB03A1A5}" type="datetimeFigureOut">
               <a:rPr lang="en-GB" smtClean="0"/>
-              <a:t>30/06/2014</a:t>
+              <a:t>10/09/2014</a:t>
             </a:fld>
             <a:endParaRPr lang="en-GB"/>
           </a:p>
@@ -458,7 +458,7 @@
           <a:p>
             <a:fld id="{4D792E19-0BEC-4B8D-B7D3-C8ECEB03A1A5}" type="datetimeFigureOut">
               <a:rPr lang="en-GB" smtClean="0"/>
-              <a:t>30/06/2014</a:t>
+              <a:t>10/09/2014</a:t>
             </a:fld>
             <a:endParaRPr lang="en-GB"/>
           </a:p>
@@ -548,8 +548,8 @@
         </p:nvSpPr>
         <p:spPr>
           <a:xfrm>
-            <a:off x="7830986" y="490220"/>
-            <a:ext cx="2430303" cy="10444702"/>
+            <a:off x="7830987" y="533514"/>
+            <a:ext cx="2430303" cy="11367130"/>
           </a:xfrm>
         </p:spPr>
         <p:txBody>
@@ -576,8 +576,8 @@
         </p:nvSpPr>
         <p:spPr>
           <a:xfrm>
-            <a:off x="540069" y="490220"/>
-            <a:ext cx="7110888" cy="10444702"/>
+            <a:off x="540069" y="533514"/>
+            <a:ext cx="7110888" cy="11367130"/>
           </a:xfrm>
         </p:spPr>
         <p:txBody>
@@ -638,7 +638,7 @@
           <a:p>
             <a:fld id="{4D792E19-0BEC-4B8D-B7D3-C8ECEB03A1A5}" type="datetimeFigureOut">
               <a:rPr lang="en-GB" smtClean="0"/>
-              <a:t>30/06/2014</a:t>
+              <a:t>10/09/2014</a:t>
             </a:fld>
             <a:endParaRPr lang="en-GB"/>
           </a:p>
@@ -808,7 +808,7 @@
           <a:p>
             <a:fld id="{4D792E19-0BEC-4B8D-B7D3-C8ECEB03A1A5}" type="datetimeFigureOut">
               <a:rPr lang="en-GB" smtClean="0"/>
-              <a:t>30/06/2014</a:t>
+              <a:t>10/09/2014</a:t>
             </a:fld>
             <a:endParaRPr lang="en-GB"/>
           </a:p>
@@ -898,8 +898,8 @@
         </p:nvSpPr>
         <p:spPr>
           <a:xfrm>
-            <a:off x="853238" y="7866117"/>
-            <a:ext cx="9181149" cy="2431240"/>
+            <a:off x="853239" y="8560816"/>
+            <a:ext cx="9181149" cy="2645956"/>
           </a:xfrm>
         </p:spPr>
         <p:txBody>
@@ -930,8 +930,8 @@
         </p:nvSpPr>
         <p:spPr>
           <a:xfrm>
-            <a:off x="853238" y="5188354"/>
-            <a:ext cx="9181149" cy="2677766"/>
+            <a:off x="853239" y="5646565"/>
+            <a:ext cx="9181149" cy="2914254"/>
           </a:xfrm>
         </p:spPr>
         <p:txBody>
@@ -1054,7 +1054,7 @@
           <a:p>
             <a:fld id="{4D792E19-0BEC-4B8D-B7D3-C8ECEB03A1A5}" type="datetimeFigureOut">
               <a:rPr lang="en-GB" smtClean="0"/>
-              <a:t>30/06/2014</a:t>
+              <a:t>10/09/2014</a:t>
             </a:fld>
             <a:endParaRPr lang="en-GB"/>
           </a:p>
@@ -1167,8 +1167,8 @@
         </p:nvSpPr>
         <p:spPr>
           <a:xfrm>
-            <a:off x="540074" y="2856286"/>
-            <a:ext cx="4770597" cy="8078636"/>
+            <a:off x="540075" y="3108540"/>
+            <a:ext cx="4770597" cy="8792104"/>
           </a:xfrm>
         </p:spPr>
         <p:txBody>
@@ -1252,8 +1252,8 @@
         </p:nvSpPr>
         <p:spPr>
           <a:xfrm>
-            <a:off x="5490695" y="2856286"/>
-            <a:ext cx="4770597" cy="8078636"/>
+            <a:off x="5490695" y="3108540"/>
+            <a:ext cx="4770597" cy="8792104"/>
           </a:xfrm>
         </p:spPr>
         <p:txBody>
@@ -1342,7 +1342,7 @@
           <a:p>
             <a:fld id="{4D792E19-0BEC-4B8D-B7D3-C8ECEB03A1A5}" type="datetimeFigureOut">
               <a:rPr lang="en-GB" smtClean="0"/>
-              <a:t>30/06/2014</a:t>
+              <a:t>10/09/2014</a:t>
             </a:fld>
             <a:endParaRPr lang="en-GB"/>
           </a:p>
@@ -1459,8 +1459,8 @@
         </p:nvSpPr>
         <p:spPr>
           <a:xfrm>
-            <a:off x="540072" y="2740110"/>
-            <a:ext cx="4772472" cy="1141946"/>
+            <a:off x="540072" y="2982104"/>
+            <a:ext cx="4772472" cy="1242797"/>
           </a:xfrm>
         </p:spPr>
         <p:txBody>
@@ -1524,8 +1524,8 @@
         </p:nvSpPr>
         <p:spPr>
           <a:xfrm>
-            <a:off x="540072" y="3882053"/>
-            <a:ext cx="4772472" cy="7052868"/>
+            <a:off x="540072" y="4224898"/>
+            <a:ext cx="4772472" cy="7675744"/>
           </a:xfrm>
         </p:spPr>
         <p:txBody>
@@ -1609,8 +1609,8 @@
         </p:nvSpPr>
         <p:spPr>
           <a:xfrm>
-            <a:off x="5486945" y="2740110"/>
-            <a:ext cx="4774347" cy="1141946"/>
+            <a:off x="5486946" y="2982104"/>
+            <a:ext cx="4774347" cy="1242797"/>
           </a:xfrm>
         </p:spPr>
         <p:txBody>
@@ -1674,8 +1674,8 @@
         </p:nvSpPr>
         <p:spPr>
           <a:xfrm>
-            <a:off x="5486945" y="3882053"/>
-            <a:ext cx="4774347" cy="7052868"/>
+            <a:off x="5486946" y="4224898"/>
+            <a:ext cx="4774347" cy="7675744"/>
           </a:xfrm>
         </p:spPr>
         <p:txBody>
@@ -1764,7 +1764,7 @@
           <a:p>
             <a:fld id="{4D792E19-0BEC-4B8D-B7D3-C8ECEB03A1A5}" type="datetimeFigureOut">
               <a:rPr lang="en-GB" smtClean="0"/>
-              <a:t>30/06/2014</a:t>
+              <a:t>10/09/2014</a:t>
             </a:fld>
             <a:endParaRPr lang="en-GB"/>
           </a:p>
@@ -1882,7 +1882,7 @@
           <a:p>
             <a:fld id="{4D792E19-0BEC-4B8D-B7D3-C8ECEB03A1A5}" type="datetimeFigureOut">
               <a:rPr lang="en-GB" smtClean="0"/>
-              <a:t>30/06/2014</a:t>
+              <a:t>10/09/2014</a:t>
             </a:fld>
             <a:endParaRPr lang="en-GB"/>
           </a:p>
@@ -1977,7 +1977,7 @@
           <a:p>
             <a:fld id="{4D792E19-0BEC-4B8D-B7D3-C8ECEB03A1A5}" type="datetimeFigureOut">
               <a:rPr lang="en-GB" smtClean="0"/>
-              <a:t>30/06/2014</a:t>
+              <a:t>10/09/2014</a:t>
             </a:fld>
             <a:endParaRPr lang="en-GB"/>
           </a:p>
@@ -2067,8 +2067,8 @@
         </p:nvSpPr>
         <p:spPr>
           <a:xfrm>
-            <a:off x="540080" y="487387"/>
-            <a:ext cx="3553569" cy="2074207"/>
+            <a:off x="540081" y="530431"/>
+            <a:ext cx="3553569" cy="2257391"/>
           </a:xfrm>
         </p:spPr>
         <p:txBody>
@@ -2099,8 +2099,8 @@
         </p:nvSpPr>
         <p:spPr>
           <a:xfrm>
-            <a:off x="4223031" y="487388"/>
-            <a:ext cx="6038256" cy="10447537"/>
+            <a:off x="4223031" y="530432"/>
+            <a:ext cx="6038256" cy="11370215"/>
           </a:xfrm>
         </p:spPr>
         <p:txBody>
@@ -2184,8 +2184,8 @@
         </p:nvSpPr>
         <p:spPr>
           <a:xfrm>
-            <a:off x="540080" y="2561587"/>
-            <a:ext cx="3553569" cy="8373330"/>
+            <a:off x="540081" y="2787814"/>
+            <a:ext cx="3553569" cy="9112824"/>
           </a:xfrm>
         </p:spPr>
         <p:txBody>
@@ -2254,7 +2254,7 @@
           <a:p>
             <a:fld id="{4D792E19-0BEC-4B8D-B7D3-C8ECEB03A1A5}" type="datetimeFigureOut">
               <a:rPr lang="en-GB" smtClean="0"/>
-              <a:t>30/06/2014</a:t>
+              <a:t>10/09/2014</a:t>
             </a:fld>
             <a:endParaRPr lang="en-GB"/>
           </a:p>
@@ -2344,8 +2344,8 @@
         </p:nvSpPr>
         <p:spPr>
           <a:xfrm>
-            <a:off x="2117142" y="8568853"/>
-            <a:ext cx="6480810" cy="1011600"/>
+            <a:off x="2117142" y="9325614"/>
+            <a:ext cx="6480810" cy="1100940"/>
           </a:xfrm>
         </p:spPr>
         <p:txBody>
@@ -2376,8 +2376,8 @@
         </p:nvSpPr>
         <p:spPr>
           <a:xfrm>
-            <a:off x="2117142" y="1093779"/>
-            <a:ext cx="6480810" cy="7344728"/>
+            <a:off x="2117142" y="1190377"/>
+            <a:ext cx="6480810" cy="7993380"/>
           </a:xfrm>
         </p:spPr>
         <p:txBody>
@@ -2437,8 +2437,8 @@
         </p:nvSpPr>
         <p:spPr>
           <a:xfrm>
-            <a:off x="2117142" y="9580451"/>
-            <a:ext cx="6480810" cy="1436643"/>
+            <a:off x="2117142" y="10426552"/>
+            <a:ext cx="6480810" cy="1563521"/>
           </a:xfrm>
         </p:spPr>
         <p:txBody>
@@ -2507,7 +2507,7 @@
           <a:p>
             <a:fld id="{4D792E19-0BEC-4B8D-B7D3-C8ECEB03A1A5}" type="datetimeFigureOut">
               <a:rPr lang="en-GB" smtClean="0"/>
-              <a:t>30/06/2014</a:t>
+              <a:t>10/09/2014</a:t>
             </a:fld>
             <a:endParaRPr lang="en-GB"/>
           </a:p>
@@ -2602,8 +2602,8 @@
         </p:nvSpPr>
         <p:spPr>
           <a:xfrm>
-            <a:off x="540077" y="490220"/>
-            <a:ext cx="9721215" cy="2040203"/>
+            <a:off x="540078" y="533515"/>
+            <a:ext cx="9721215" cy="2220384"/>
           </a:xfrm>
           <a:prstGeom prst="rect">
             <a:avLst/>
@@ -2635,8 +2635,8 @@
         </p:nvSpPr>
         <p:spPr>
           <a:xfrm>
-            <a:off x="540077" y="2856286"/>
-            <a:ext cx="9721215" cy="8078636"/>
+            <a:off x="540078" y="3108540"/>
+            <a:ext cx="9721215" cy="8792104"/>
           </a:xfrm>
           <a:prstGeom prst="rect">
             <a:avLst/>
@@ -2697,8 +2697,8 @@
         </p:nvSpPr>
         <p:spPr>
           <a:xfrm>
-            <a:off x="540077" y="11345795"/>
-            <a:ext cx="2520315" cy="651732"/>
+            <a:off x="540078" y="12347803"/>
+            <a:ext cx="2520315" cy="709290"/>
           </a:xfrm>
           <a:prstGeom prst="rect">
             <a:avLst/>
@@ -2720,7 +2720,7 @@
           <a:p>
             <a:fld id="{4D792E19-0BEC-4B8D-B7D3-C8ECEB03A1A5}" type="datetimeFigureOut">
               <a:rPr lang="en-GB" smtClean="0"/>
-              <a:t>30/06/2014</a:t>
+              <a:t>10/09/2014</a:t>
             </a:fld>
             <a:endParaRPr lang="en-GB"/>
           </a:p>
@@ -2738,8 +2738,8 @@
         </p:nvSpPr>
         <p:spPr>
           <a:xfrm>
-            <a:off x="3690470" y="11345795"/>
-            <a:ext cx="3420429" cy="651732"/>
+            <a:off x="3690471" y="12347803"/>
+            <a:ext cx="3420429" cy="709290"/>
           </a:xfrm>
           <a:prstGeom prst="rect">
             <a:avLst/>
@@ -2775,8 +2775,8 @@
         </p:nvSpPr>
         <p:spPr>
           <a:xfrm>
-            <a:off x="7740977" y="11345795"/>
-            <a:ext cx="2520315" cy="651732"/>
+            <a:off x="7740978" y="12347803"/>
+            <a:ext cx="2520315" cy="709290"/>
           </a:xfrm>
           <a:prstGeom prst="rect">
             <a:avLst/>
@@ -3097,7 +3097,7 @@
       </p:grpSpPr>
       <p:pic>
         <p:nvPicPr>
-          <p:cNvPr id="80" name="Picture 14" descr="C:\Users\Wendy\Documents\wwn20\Thesis\Chapter7\Figures\Fig4\Spec_TE.png"/>
+          <p:cNvPr id="83" name="Picture 14" descr="C:\Users\Wendy\Documents\wwn20\Thesis\Chapter7\Figures\Fig4\Spec_TE.png"/>
           <p:cNvPicPr>
             <a:picLocks noChangeAspect="1" noChangeArrowheads="1"/>
           </p:cNvPicPr>
@@ -3118,8 +3118,8 @@
         </p:blipFill>
         <p:spPr bwMode="auto">
           <a:xfrm>
-            <a:off x="1363298" y="9799696"/>
-            <a:ext cx="3600000" cy="2444252"/>
+            <a:off x="1363298" y="10036673"/>
+            <a:ext cx="4680000" cy="3177528"/>
           </a:xfrm>
           <a:prstGeom prst="rect">
             <a:avLst/>
@@ -3138,7 +3138,7 @@
       </p:pic>
       <p:pic>
         <p:nvPicPr>
-          <p:cNvPr id="81" name="Picture 12" descr="C:\Users\Wendy\Documents\wwn20\Thesis\Chapter7\Figures\Fig4\Scale.png"/>
+          <p:cNvPr id="85" name="Picture 12" descr="C:\Users\Wendy\Documents\wwn20\Thesis\Chapter7\Figures\Fig4\Scale.png"/>
           <p:cNvPicPr>
             <a:picLocks noChangeAspect="1" noChangeArrowheads="1"/>
           </p:cNvPicPr>
@@ -3157,8 +3157,8 @@
         </p:blipFill>
         <p:spPr bwMode="auto">
           <a:xfrm>
-            <a:off x="8957992" y="11581692"/>
-            <a:ext cx="1728838" cy="610693"/>
+            <a:off x="7848947" y="12196873"/>
+            <a:ext cx="2880000" cy="1017328"/>
           </a:xfrm>
           <a:prstGeom prst="rect">
             <a:avLst/>
@@ -3177,7 +3177,7 @@
       </p:pic>
       <p:pic>
         <p:nvPicPr>
-          <p:cNvPr id="82" name="Picture 11" descr="C:\Users\Wendy\Documents\wwn20\Thesis\Chapter7\Figures\Fig4\Ti_90_TE.png"/>
+          <p:cNvPr id="101" name="Picture 11" descr="C:\Users\Wendy\Documents\wwn20\Thesis\Chapter7\Figures\Fig4\Ti_90_TE.png"/>
           <p:cNvPicPr>
             <a:picLocks noChangeAspect="1" noChangeArrowheads="1"/>
           </p:cNvPicPr>
@@ -3196,7 +3196,7 @@
         </p:blipFill>
         <p:spPr bwMode="auto">
           <a:xfrm>
-            <a:off x="8453283" y="7547146"/>
+            <a:off x="8453283" y="7784123"/>
             <a:ext cx="2233547" cy="2167954"/>
           </a:xfrm>
           <a:prstGeom prst="rect">
@@ -3216,7 +3216,7 @@
       </p:pic>
       <p:pic>
         <p:nvPicPr>
-          <p:cNvPr id="84" name="Picture 10" descr="C:\Users\Wendy\Documents\wwn20\Thesis\Chapter7\Figures\Fig4\Ti_60_TE.png"/>
+          <p:cNvPr id="103" name="Picture 10" descr="C:\Users\Wendy\Documents\wwn20\Thesis\Chapter7\Figures\Fig4\Ti_60_TE.png"/>
           <p:cNvPicPr>
             <a:picLocks noChangeAspect="1" noChangeArrowheads="1"/>
           </p:cNvPicPr>
@@ -3235,7 +3235,7 @@
         </p:blipFill>
         <p:spPr bwMode="auto">
           <a:xfrm>
-            <a:off x="6447413" y="7539195"/>
+            <a:off x="6447413" y="7776172"/>
             <a:ext cx="2233547" cy="2167954"/>
           </a:xfrm>
           <a:prstGeom prst="rect">
@@ -3255,7 +3255,7 @@
       </p:pic>
       <p:pic>
         <p:nvPicPr>
-          <p:cNvPr id="86" name="Picture 9" descr="C:\Users\Wendy\Documents\wwn20\Thesis\Chapter7\Figures\Fig4\Ti_40_TE.png"/>
+          <p:cNvPr id="104" name="Picture 9" descr="C:\Users\Wendy\Documents\wwn20\Thesis\Chapter7\Figures\Fig4\Ti_40_TE.png"/>
           <p:cNvPicPr>
             <a:picLocks noChangeAspect="1" noChangeArrowheads="1"/>
           </p:cNvPicPr>
@@ -3274,7 +3274,7 @@
         </p:blipFill>
         <p:spPr bwMode="auto">
           <a:xfrm>
-            <a:off x="4444690" y="7547146"/>
+            <a:off x="4444690" y="7784123"/>
             <a:ext cx="2241499" cy="2160002"/>
           </a:xfrm>
           <a:prstGeom prst="rect">
@@ -3294,7 +3294,7 @@
       </p:pic>
       <p:pic>
         <p:nvPicPr>
-          <p:cNvPr id="87" name="Picture 8" descr="C:\Users\Wendy\Documents\wwn20\Thesis\Chapter7\Figures\Fig4\Ti_20_TE.png"/>
+          <p:cNvPr id="105" name="Picture 8" descr="C:\Users\Wendy\Documents\wwn20\Thesis\Chapter7\Figures\Fig4\Ti_20_TE.png"/>
           <p:cNvPicPr>
             <a:picLocks noChangeAspect="1" noChangeArrowheads="1"/>
           </p:cNvPicPr>
@@ -3313,7 +3313,7 @@
         </p:blipFill>
         <p:spPr bwMode="auto">
           <a:xfrm>
-            <a:off x="2421597" y="7523429"/>
+            <a:off x="2421597" y="7760406"/>
             <a:ext cx="2278553" cy="2160001"/>
           </a:xfrm>
           <a:prstGeom prst="rect">
@@ -3333,7 +3333,7 @@
       </p:pic>
       <p:pic>
         <p:nvPicPr>
-          <p:cNvPr id="88" name="Picture 7" descr="C:\Users\Wendy\Documents\wwn20\Thesis\Chapter7\Figures\Fig4\Ti_0_TE.png"/>
+          <p:cNvPr id="106" name="Picture 7" descr="C:\Users\Wendy\Documents\wwn20\Thesis\Chapter7\Figures\Fig4\Ti_0_TE.png"/>
           <p:cNvPicPr>
             <a:picLocks noChangeAspect="1" noChangeArrowheads="1"/>
           </p:cNvPicPr>
@@ -3352,7 +3352,7 @@
         </p:blipFill>
         <p:spPr bwMode="auto">
           <a:xfrm>
-            <a:off x="469129" y="7539196"/>
+            <a:off x="469129" y="7776173"/>
             <a:ext cx="2227124" cy="2160000"/>
           </a:xfrm>
           <a:prstGeom prst="rect">
@@ -3372,7 +3372,7 @@
       </p:pic>
       <p:pic>
         <p:nvPicPr>
-          <p:cNvPr id="89" name="Picture 6" descr="C:\Users\Wendy\Documents\wwn20\Thesis\Chapter7\Figures\Fig4\Ti_90_TM.png"/>
+          <p:cNvPr id="107" name="Picture 6" descr="C:\Users\Wendy\Documents\wwn20\Thesis\Chapter7\Figures\Fig4\Ti_90_TM.png"/>
           <p:cNvPicPr>
             <a:picLocks noChangeAspect="1" noChangeArrowheads="1"/>
           </p:cNvPicPr>
@@ -3391,7 +3391,7 @@
         </p:blipFill>
         <p:spPr bwMode="auto">
           <a:xfrm>
-            <a:off x="7955308" y="2194427"/>
+            <a:off x="8461789" y="2081633"/>
             <a:ext cx="2220339" cy="2169694"/>
           </a:xfrm>
           <a:prstGeom prst="rect">
@@ -3411,7 +3411,7 @@
       </p:pic>
       <p:pic>
         <p:nvPicPr>
-          <p:cNvPr id="90" name="Picture 5" descr="C:\Users\Wendy\Documents\wwn20\Thesis\Chapter7\Figures\Fig4\Ti_60_TM.png"/>
+          <p:cNvPr id="108" name="Picture 5" descr="C:\Users\Wendy\Documents\wwn20\Thesis\Chapter7\Figures\Fig4\Ti_60_TM.png"/>
           <p:cNvPicPr>
             <a:picLocks noChangeAspect="1" noChangeArrowheads="1"/>
           </p:cNvPicPr>
@@ -3430,7 +3430,7 @@
         </p:blipFill>
         <p:spPr bwMode="auto">
           <a:xfrm>
-            <a:off x="6442886" y="2420557"/>
+            <a:off x="6442886" y="2060840"/>
             <a:ext cx="2254255" cy="2161744"/>
           </a:xfrm>
           <a:prstGeom prst="rect">
@@ -3450,7 +3450,7 @@
       </p:pic>
       <p:pic>
         <p:nvPicPr>
-          <p:cNvPr id="91" name="Picture 4" descr="C:\Users\Wendy\Documents\wwn20\Thesis\Chapter7\Figures\Fig4\Ti_40_TM.png"/>
+          <p:cNvPr id="111" name="Picture 4" descr="C:\Users\Wendy\Documents\wwn20\Thesis\Chapter7\Figures\Fig4\Ti_40_TM.png"/>
           <p:cNvPicPr>
             <a:picLocks noChangeAspect="1" noChangeArrowheads="1"/>
           </p:cNvPicPr>
@@ -3469,7 +3469,7 @@
         </p:blipFill>
         <p:spPr bwMode="auto">
           <a:xfrm>
-            <a:off x="4471226" y="2428508"/>
+            <a:off x="4471226" y="2068791"/>
             <a:ext cx="2223193" cy="2161743"/>
           </a:xfrm>
           <a:prstGeom prst="rect">
@@ -3489,7 +3489,7 @@
       </p:pic>
       <p:pic>
         <p:nvPicPr>
-          <p:cNvPr id="92" name="Picture 3" descr="C:\Users\Wendy\Documents\wwn20\Thesis\Chapter7\Figures\Fig4\Ti_20_TM.png"/>
+          <p:cNvPr id="112" name="Picture 3" descr="C:\Users\Wendy\Documents\wwn20\Thesis\Chapter7\Figures\Fig4\Ti_20_TM.png"/>
           <p:cNvPicPr>
             <a:picLocks noChangeAspect="1" noChangeArrowheads="1"/>
           </p:cNvPicPr>
@@ -3508,7 +3508,7 @@
         </p:blipFill>
         <p:spPr bwMode="auto">
           <a:xfrm>
-            <a:off x="2461352" y="2420558"/>
+            <a:off x="2461352" y="2060841"/>
             <a:ext cx="2233547" cy="2161742"/>
           </a:xfrm>
           <a:prstGeom prst="rect">
@@ -3528,7 +3528,7 @@
       </p:pic>
       <p:pic>
         <p:nvPicPr>
-          <p:cNvPr id="93" name="Picture 2" descr="C:\Users\Wendy\Documents\wwn20\Thesis\Chapter7\Figures\Fig4\Ti_0_TM.png"/>
+          <p:cNvPr id="113" name="Picture 2" descr="C:\Users\Wendy\Documents\wwn20\Thesis\Chapter7\Figures\Fig4\Ti_0_TM.png"/>
           <p:cNvPicPr>
             <a:picLocks noChangeAspect="1" noChangeArrowheads="1"/>
           </p:cNvPicPr>
@@ -3547,7 +3547,7 @@
         </p:blipFill>
         <p:spPr bwMode="auto">
           <a:xfrm>
-            <a:off x="432062" y="2422300"/>
+            <a:off x="432062" y="2062583"/>
             <a:ext cx="2254426" cy="2160000"/>
           </a:xfrm>
           <a:prstGeom prst="rect">
@@ -3567,7 +3567,7 @@
       </p:pic>
       <p:pic>
         <p:nvPicPr>
-          <p:cNvPr id="94" name="Picture 13" descr="C:\Users\Wendy\Documents\wwn20\Thesis\Chapter7\Figures\Fig2\TM_spec.png"/>
+          <p:cNvPr id="114" name="Picture 13" descr="C:\Users\Wendy\Documents\wwn20\Thesis\Chapter7\Figures\Fig2\TM_spec.png"/>
           <p:cNvPicPr>
             <a:picLocks noChangeAspect="1" noChangeArrowheads="1"/>
           </p:cNvPicPr>
@@ -3588,8 +3588,8 @@
         </p:blipFill>
         <p:spPr bwMode="auto">
           <a:xfrm>
-            <a:off x="1330830" y="4667786"/>
-            <a:ext cx="3600000" cy="2444659"/>
+            <a:off x="1330830" y="4308069"/>
+            <a:ext cx="4680000" cy="3178057"/>
           </a:xfrm>
           <a:prstGeom prst="rect">
             <a:avLst/>
@@ -3608,13 +3608,13 @@
       </p:pic>
       <p:sp>
         <p:nvSpPr>
-          <p:cNvPr id="95" name="TextBox 94"/>
+          <p:cNvPr id="115" name="TextBox 114"/>
           <p:cNvSpPr txBox="1"/>
           <p:nvPr/>
         </p:nvSpPr>
         <p:spPr>
           <a:xfrm rot="16200000">
-            <a:off x="-853531" y="3058386"/>
+            <a:off x="-853531" y="2698669"/>
             <a:ext cx="2217242" cy="353943"/>
           </a:xfrm>
           <a:prstGeom prst="rect">
@@ -3644,13 +3644,13 @@
       </p:sp>
       <p:sp>
         <p:nvSpPr>
-          <p:cNvPr id="96" name="TextBox 95"/>
+          <p:cNvPr id="116" name="TextBox 115"/>
           <p:cNvSpPr txBox="1"/>
           <p:nvPr/>
         </p:nvSpPr>
         <p:spPr>
           <a:xfrm>
-            <a:off x="5183784" y="4513158"/>
+            <a:off x="5183784" y="4153441"/>
             <a:ext cx="972108" cy="353943"/>
           </a:xfrm>
           <a:prstGeom prst="rect">
@@ -3701,14 +3701,14 @@
       </p:sp>
       <p:sp>
         <p:nvSpPr>
-          <p:cNvPr id="97" name="TextBox 96"/>
+          <p:cNvPr id="117" name="TextBox 116"/>
           <p:cNvSpPr txBox="1"/>
           <p:nvPr/>
         </p:nvSpPr>
         <p:spPr>
           <a:xfrm>
-            <a:off x="720155" y="2036349"/>
-            <a:ext cx="1873703" cy="400110"/>
+            <a:off x="720155" y="1676632"/>
+            <a:ext cx="2588389" cy="477054"/>
           </a:xfrm>
           <a:prstGeom prst="rect">
             <a:avLst/>
@@ -3722,23 +3722,23 @@
           <a:lstStyle/>
           <a:p>
             <a:r>
-              <a:rPr lang="en-GB" sz="2000" b="1" dirty="0" smtClean="0"/>
+              <a:rPr lang="en-GB" sz="2500" b="1" dirty="0" smtClean="0"/>
               <a:t>TM polarisation</a:t>
             </a:r>
-            <a:endParaRPr lang="en-GB" sz="2000" b="1" dirty="0"/>
+            <a:endParaRPr lang="en-GB" sz="2500" b="1" dirty="0"/>
           </a:p>
         </p:txBody>
       </p:sp>
       <p:sp>
         <p:nvSpPr>
-          <p:cNvPr id="98" name="TextBox 97"/>
+          <p:cNvPr id="118" name="TextBox 117"/>
           <p:cNvSpPr txBox="1"/>
           <p:nvPr/>
         </p:nvSpPr>
         <p:spPr>
           <a:xfrm>
-            <a:off x="720154" y="7147996"/>
-            <a:ext cx="1873703" cy="400110"/>
+            <a:off x="720154" y="7384973"/>
+            <a:ext cx="2588389" cy="477054"/>
           </a:xfrm>
           <a:prstGeom prst="rect">
             <a:avLst/>
@@ -3752,22 +3752,22 @@
           <a:lstStyle/>
           <a:p>
             <a:r>
-              <a:rPr lang="en-GB" sz="2000" b="1" dirty="0" smtClean="0"/>
+              <a:rPr lang="en-GB" sz="2500" b="1" dirty="0" smtClean="0"/>
               <a:t>TE polarisation</a:t>
             </a:r>
-            <a:endParaRPr lang="en-GB" sz="2000" b="1" dirty="0"/>
+            <a:endParaRPr lang="en-GB" sz="2500" b="1" dirty="0"/>
           </a:p>
         </p:txBody>
       </p:sp>
       <p:sp>
         <p:nvSpPr>
-          <p:cNvPr id="99" name="TextBox 98"/>
+          <p:cNvPr id="119" name="TextBox 118"/>
           <p:cNvSpPr txBox="1"/>
           <p:nvPr/>
         </p:nvSpPr>
         <p:spPr>
           <a:xfrm rot="16200000">
-            <a:off x="-859566" y="8196607"/>
+            <a:off x="-859566" y="8433584"/>
             <a:ext cx="2217242" cy="353943"/>
           </a:xfrm>
           <a:prstGeom prst="rect">
@@ -3797,13 +3797,13 @@
       </p:sp>
       <p:sp>
         <p:nvSpPr>
-          <p:cNvPr id="100" name="TextBox 99"/>
+          <p:cNvPr id="131" name="TextBox 130"/>
           <p:cNvSpPr txBox="1"/>
           <p:nvPr/>
         </p:nvSpPr>
         <p:spPr>
           <a:xfrm>
-            <a:off x="5177749" y="9651379"/>
+            <a:off x="5177749" y="9888356"/>
             <a:ext cx="972108" cy="353943"/>
           </a:xfrm>
           <a:prstGeom prst="rect">
@@ -3854,13 +3854,13 @@
       </p:sp>
       <p:sp>
         <p:nvSpPr>
-          <p:cNvPr id="102" name="TextBox 101"/>
+          <p:cNvPr id="134" name="TextBox 133"/>
           <p:cNvSpPr txBox="1"/>
           <p:nvPr/>
         </p:nvSpPr>
         <p:spPr>
           <a:xfrm>
-            <a:off x="2751910" y="3974647"/>
+            <a:off x="2751910" y="3614930"/>
             <a:ext cx="1022598" cy="369332"/>
           </a:xfrm>
           <a:prstGeom prst="rect">
@@ -3892,13 +3892,13 @@
       </p:sp>
       <p:sp>
         <p:nvSpPr>
-          <p:cNvPr id="109" name="TextBox 108"/>
+          <p:cNvPr id="135" name="TextBox 134"/>
           <p:cNvSpPr txBox="1"/>
           <p:nvPr/>
         </p:nvSpPr>
         <p:spPr>
           <a:xfrm>
-            <a:off x="4747856" y="3974647"/>
+            <a:off x="4747856" y="3614930"/>
             <a:ext cx="1022598" cy="369332"/>
           </a:xfrm>
           <a:prstGeom prst="rect">
@@ -3930,13 +3930,13 @@
       </p:sp>
       <p:sp>
         <p:nvSpPr>
-          <p:cNvPr id="110" name="TextBox 109"/>
+          <p:cNvPr id="136" name="TextBox 135"/>
           <p:cNvSpPr txBox="1"/>
           <p:nvPr/>
         </p:nvSpPr>
         <p:spPr>
           <a:xfrm>
-            <a:off x="6748066" y="3974647"/>
+            <a:off x="6748066" y="3614930"/>
             <a:ext cx="1022598" cy="369332"/>
           </a:xfrm>
           <a:prstGeom prst="rect">
@@ -3968,13 +3968,13 @@
       </p:sp>
       <p:sp>
         <p:nvSpPr>
-          <p:cNvPr id="120" name="TextBox 119"/>
+          <p:cNvPr id="137" name="TextBox 136"/>
           <p:cNvSpPr txBox="1"/>
           <p:nvPr/>
         </p:nvSpPr>
         <p:spPr>
           <a:xfrm>
-            <a:off x="8781776" y="3974647"/>
+            <a:off x="8781776" y="3614930"/>
             <a:ext cx="1022598" cy="369332"/>
           </a:xfrm>
           <a:prstGeom prst="rect">
@@ -4006,13 +4006,13 @@
       </p:sp>
       <p:sp>
         <p:nvSpPr>
-          <p:cNvPr id="121" name="TextBox 120"/>
+          <p:cNvPr id="167" name="TextBox 166"/>
           <p:cNvSpPr txBox="1"/>
           <p:nvPr/>
         </p:nvSpPr>
         <p:spPr>
           <a:xfrm>
-            <a:off x="2767676" y="9111899"/>
+            <a:off x="2767676" y="9348876"/>
             <a:ext cx="1022598" cy="369332"/>
           </a:xfrm>
           <a:prstGeom prst="rect">
@@ -4044,13 +4044,13 @@
       </p:sp>
       <p:sp>
         <p:nvSpPr>
-          <p:cNvPr id="122" name="TextBox 121"/>
+          <p:cNvPr id="169" name="TextBox 168"/>
           <p:cNvSpPr txBox="1"/>
           <p:nvPr/>
         </p:nvSpPr>
         <p:spPr>
           <a:xfrm>
-            <a:off x="4763622" y="9111899"/>
+            <a:off x="4763622" y="9348876"/>
             <a:ext cx="1022598" cy="369332"/>
           </a:xfrm>
           <a:prstGeom prst="rect">
@@ -4082,13 +4082,13 @@
       </p:sp>
       <p:sp>
         <p:nvSpPr>
-          <p:cNvPr id="123" name="TextBox 122"/>
+          <p:cNvPr id="181" name="TextBox 180"/>
           <p:cNvSpPr txBox="1"/>
           <p:nvPr/>
         </p:nvSpPr>
         <p:spPr>
           <a:xfrm>
-            <a:off x="6763832" y="9111899"/>
+            <a:off x="6763832" y="9348876"/>
             <a:ext cx="1022598" cy="369332"/>
           </a:xfrm>
           <a:prstGeom prst="rect">
@@ -4120,13 +4120,13 @@
       </p:sp>
       <p:sp>
         <p:nvSpPr>
-          <p:cNvPr id="124" name="TextBox 123"/>
+          <p:cNvPr id="182" name="TextBox 181"/>
           <p:cNvSpPr txBox="1"/>
           <p:nvPr/>
         </p:nvSpPr>
         <p:spPr>
           <a:xfrm>
-            <a:off x="8797542" y="9111899"/>
+            <a:off x="8797542" y="9348876"/>
             <a:ext cx="1022598" cy="369332"/>
           </a:xfrm>
           <a:prstGeom prst="rect">
@@ -4158,13 +4158,13 @@
       </p:sp>
       <p:sp>
         <p:nvSpPr>
-          <p:cNvPr id="125" name="Freeform 124"/>
+          <p:cNvPr id="183" name="Freeform 182"/>
           <p:cNvSpPr/>
           <p:nvPr/>
         </p:nvSpPr>
         <p:spPr>
           <a:xfrm>
-            <a:off x="834327" y="4566194"/>
+            <a:off x="834327" y="4206477"/>
             <a:ext cx="446970" cy="1109679"/>
           </a:xfrm>
           <a:custGeom>
@@ -4247,13 +4247,13 @@
       </p:sp>
       <p:sp>
         <p:nvSpPr>
-          <p:cNvPr id="126" name="Freeform 125"/>
+          <p:cNvPr id="184" name="Freeform 183"/>
           <p:cNvSpPr/>
           <p:nvPr/>
         </p:nvSpPr>
         <p:spPr>
           <a:xfrm>
-            <a:off x="834327" y="9699196"/>
+            <a:off x="834327" y="9936173"/>
             <a:ext cx="446970" cy="1109679"/>
           </a:xfrm>
           <a:custGeom>
@@ -4336,13 +4336,13 @@
       </p:sp>
       <p:cxnSp>
         <p:nvCxnSpPr>
-          <p:cNvPr id="127" name="Straight Connector 126"/>
+          <p:cNvPr id="185" name="Straight Connector 184"/>
           <p:cNvCxnSpPr/>
           <p:nvPr/>
         </p:nvCxnSpPr>
         <p:spPr>
           <a:xfrm>
-            <a:off x="1061860" y="2509095"/>
+            <a:off x="1061860" y="2149378"/>
             <a:ext cx="0" cy="1872000"/>
           </a:xfrm>
           <a:prstGeom prst="line">
@@ -4372,13 +4372,13 @@
       </p:cxnSp>
       <p:sp>
         <p:nvSpPr>
-          <p:cNvPr id="128" name="TextBox 127"/>
+          <p:cNvPr id="186" name="TextBox 185"/>
           <p:cNvSpPr txBox="1"/>
           <p:nvPr/>
         </p:nvSpPr>
         <p:spPr>
           <a:xfrm>
-            <a:off x="720155" y="3974647"/>
+            <a:off x="720155" y="3614930"/>
             <a:ext cx="843475" cy="369332"/>
           </a:xfrm>
           <a:prstGeom prst="rect">
@@ -4410,13 +4410,13 @@
       </p:sp>
       <p:cxnSp>
         <p:nvCxnSpPr>
-          <p:cNvPr id="129" name="Straight Connector 128"/>
+          <p:cNvPr id="187" name="Straight Connector 186"/>
           <p:cNvCxnSpPr/>
           <p:nvPr/>
         </p:nvCxnSpPr>
         <p:spPr>
           <a:xfrm>
-            <a:off x="1680112" y="2509095"/>
+            <a:off x="1680112" y="2149378"/>
             <a:ext cx="0" cy="1872000"/>
           </a:xfrm>
           <a:prstGeom prst="line">
@@ -4446,13 +4446,13 @@
       </p:cxnSp>
       <p:cxnSp>
         <p:nvCxnSpPr>
-          <p:cNvPr id="130" name="Straight Connector 129"/>
+          <p:cNvPr id="188" name="Straight Connector 187"/>
           <p:cNvCxnSpPr/>
           <p:nvPr/>
         </p:nvCxnSpPr>
         <p:spPr>
           <a:xfrm>
-            <a:off x="2296380" y="2523872"/>
+            <a:off x="2296380" y="2164155"/>
             <a:ext cx="0" cy="1872000"/>
           </a:xfrm>
           <a:prstGeom prst="line">
@@ -4482,13 +4482,13 @@
       </p:cxnSp>
       <p:cxnSp>
         <p:nvCxnSpPr>
-          <p:cNvPr id="132" name="Straight Connector 131"/>
+          <p:cNvPr id="189" name="Straight Connector 188"/>
           <p:cNvCxnSpPr/>
           <p:nvPr/>
         </p:nvCxnSpPr>
         <p:spPr>
           <a:xfrm>
-            <a:off x="1060735" y="7620089"/>
+            <a:off x="1060735" y="7857066"/>
             <a:ext cx="0" cy="1872000"/>
           </a:xfrm>
           <a:prstGeom prst="line">
@@ -4518,13 +4518,13 @@
       </p:cxnSp>
       <p:cxnSp>
         <p:nvCxnSpPr>
-          <p:cNvPr id="133" name="Straight Connector 132"/>
+          <p:cNvPr id="190" name="Straight Connector 189"/>
           <p:cNvCxnSpPr/>
           <p:nvPr/>
         </p:nvCxnSpPr>
         <p:spPr>
           <a:xfrm>
-            <a:off x="1688512" y="7620089"/>
+            <a:off x="1688512" y="7857066"/>
             <a:ext cx="0" cy="1872000"/>
           </a:xfrm>
           <a:prstGeom prst="line">
@@ -4554,13 +4554,13 @@
       </p:cxnSp>
       <p:sp>
         <p:nvSpPr>
-          <p:cNvPr id="138" name="TextBox 137"/>
+          <p:cNvPr id="191" name="TextBox 190"/>
           <p:cNvSpPr txBox="1"/>
           <p:nvPr/>
         </p:nvSpPr>
         <p:spPr>
           <a:xfrm>
-            <a:off x="735921" y="9111899"/>
+            <a:off x="735921" y="9348876"/>
             <a:ext cx="843475" cy="369332"/>
           </a:xfrm>
           <a:prstGeom prst="rect">
@@ -4592,13 +4592,13 @@
       </p:sp>
       <p:cxnSp>
         <p:nvCxnSpPr>
-          <p:cNvPr id="139" name="Straight Connector 138"/>
+          <p:cNvPr id="192" name="Straight Connector 191"/>
           <p:cNvCxnSpPr/>
           <p:nvPr/>
         </p:nvCxnSpPr>
         <p:spPr>
           <a:xfrm>
-            <a:off x="2304570" y="7621931"/>
+            <a:off x="2304570" y="7858908"/>
             <a:ext cx="0" cy="1872000"/>
           </a:xfrm>
           <a:prstGeom prst="line">
@@ -4628,7 +4628,7 @@
       </p:cxnSp>
       <p:pic>
         <p:nvPicPr>
-          <p:cNvPr id="140" name="Picture 15" descr="C:\Users\Wendy\Documents\wwn20\Data\PbI4_grating\SEM\2013\06 - June\130606-CHPI_Ti_gratings\2_00.tif"/>
+          <p:cNvPr id="193" name="Picture 15" descr="C:\Users\Wendy\Documents\wwn20\Data\PbI4_grating\SEM\2013\06 - June\130606-CHPI_Ti_gratings\2_00.tif"/>
           <p:cNvPicPr>
             <a:picLocks noChangeAspect="1" noChangeArrowheads="1"/>
           </p:cNvPicPr>
@@ -4642,13 +4642,13 @@
               </a:ext>
             </a:extLst>
           </a:blip>
-          <a:srcRect l="14881" r="31689" b="54215"/>
+          <a:srcRect l="14881" t="10684" r="31689" b="54215"/>
           <a:stretch/>
         </p:blipFill>
         <p:spPr bwMode="auto">
           <a:xfrm>
-            <a:off x="1363297" y="91476"/>
-            <a:ext cx="2885249" cy="1854282"/>
+            <a:off x="1363297" y="164461"/>
+            <a:ext cx="2885249" cy="1421580"/>
           </a:xfrm>
           <a:prstGeom prst="rect">
             <a:avLst/>
@@ -4667,13 +4667,13 @@
       </p:pic>
       <p:cxnSp>
         <p:nvCxnSpPr>
-          <p:cNvPr id="141" name="Straight Connector 140"/>
+          <p:cNvPr id="194" name="Straight Connector 193"/>
           <p:cNvCxnSpPr/>
           <p:nvPr/>
         </p:nvCxnSpPr>
         <p:spPr>
           <a:xfrm>
-            <a:off x="3238602" y="1821718"/>
+            <a:off x="3238602" y="1462001"/>
             <a:ext cx="815941" cy="0"/>
           </a:xfrm>
           <a:prstGeom prst="line">
@@ -4702,13 +4702,13 @@
       </p:cxnSp>
       <p:sp>
         <p:nvSpPr>
-          <p:cNvPr id="142" name="TextBox 141"/>
+          <p:cNvPr id="195" name="TextBox 194"/>
           <p:cNvSpPr txBox="1"/>
           <p:nvPr/>
         </p:nvSpPr>
         <p:spPr>
           <a:xfrm>
-            <a:off x="3308544" y="1424568"/>
+            <a:off x="3308544" y="1064851"/>
             <a:ext cx="773462" cy="430887"/>
           </a:xfrm>
           <a:prstGeom prst="rect">
@@ -4740,13 +4740,13 @@
       </p:sp>
       <p:grpSp>
         <p:nvGrpSpPr>
-          <p:cNvPr id="143" name="Group 142"/>
+          <p:cNvPr id="196" name="Group 195"/>
           <p:cNvGrpSpPr/>
           <p:nvPr/>
         </p:nvGrpSpPr>
         <p:grpSpPr>
           <a:xfrm>
-            <a:off x="5616699" y="324123"/>
+            <a:off x="5616699" y="-35594"/>
             <a:ext cx="4229906" cy="1217406"/>
             <a:chOff x="2043826" y="4867900"/>
             <a:chExt cx="4229906" cy="1217406"/>
@@ -4754,7 +4754,7 @@
         </p:grpSpPr>
         <p:grpSp>
           <p:nvGrpSpPr>
-            <p:cNvPr id="144" name="Group 143"/>
+            <p:cNvPr id="197" name="Group 196"/>
             <p:cNvGrpSpPr/>
             <p:nvPr/>
           </p:nvGrpSpPr>
@@ -4768,7 +4768,7 @@
           </p:grpSpPr>
           <p:sp>
             <p:nvSpPr>
-              <p:cNvPr id="151" name="Rectangle 150"/>
+              <p:cNvPr id="204" name="Rectangle 203"/>
               <p:cNvSpPr/>
               <p:nvPr/>
             </p:nvSpPr>
@@ -4914,7 +4914,7 @@
           </p:sp>
           <p:sp>
             <p:nvSpPr>
-              <p:cNvPr id="152" name="Flowchart: Manual Operation 3"/>
+              <p:cNvPr id="205" name="Flowchart: Manual Operation 3"/>
               <p:cNvSpPr/>
               <p:nvPr/>
             </p:nvSpPr>
@@ -5037,7 +5037,7 @@
           </p:sp>
           <p:sp>
             <p:nvSpPr>
-              <p:cNvPr id="153" name="Flowchart: Manual Operation 3"/>
+              <p:cNvPr id="206" name="Flowchart: Manual Operation 3"/>
               <p:cNvSpPr/>
               <p:nvPr/>
             </p:nvSpPr>
@@ -5160,7 +5160,7 @@
           </p:sp>
           <p:sp>
             <p:nvSpPr>
-              <p:cNvPr id="154" name="Flowchart: Manual Operation 3"/>
+              <p:cNvPr id="207" name="Flowchart: Manual Operation 3"/>
               <p:cNvSpPr/>
               <p:nvPr/>
             </p:nvSpPr>
@@ -5283,7 +5283,7 @@
           </p:sp>
           <p:sp>
             <p:nvSpPr>
-              <p:cNvPr id="155" name="Flowchart: Manual Operation 3"/>
+              <p:cNvPr id="208" name="Flowchart: Manual Operation 3"/>
               <p:cNvSpPr/>
               <p:nvPr/>
             </p:nvSpPr>
@@ -5406,7 +5406,7 @@
           </p:sp>
           <p:sp>
             <p:nvSpPr>
-              <p:cNvPr id="156" name="Flowchart: Manual Operation 3"/>
+              <p:cNvPr id="209" name="Flowchart: Manual Operation 3"/>
               <p:cNvSpPr/>
               <p:nvPr/>
             </p:nvSpPr>
@@ -5529,7 +5529,7 @@
           </p:sp>
           <p:sp>
             <p:nvSpPr>
-              <p:cNvPr id="157" name="Flowchart: Manual Operation 3"/>
+              <p:cNvPr id="210" name="Flowchart: Manual Operation 3"/>
               <p:cNvSpPr/>
               <p:nvPr/>
             </p:nvSpPr>
@@ -5653,7 +5653,7 @@
         </p:grpSp>
         <p:cxnSp>
           <p:nvCxnSpPr>
-            <p:cNvPr id="145" name="Straight Connector 144"/>
+            <p:cNvPr id="198" name="Straight Connector 197"/>
             <p:cNvCxnSpPr/>
             <p:nvPr/>
           </p:nvCxnSpPr>
@@ -5687,7 +5687,7 @@
         </p:cxnSp>
         <p:sp>
           <p:nvSpPr>
-            <p:cNvPr id="146" name="TextBox 145"/>
+            <p:cNvPr id="199" name="TextBox 198"/>
             <p:cNvSpPr txBox="1"/>
             <p:nvPr/>
           </p:nvSpPr>
@@ -5717,7 +5717,7 @@
         </p:sp>
         <p:cxnSp>
           <p:nvCxnSpPr>
-            <p:cNvPr id="147" name="Straight Connector 146"/>
+            <p:cNvPr id="200" name="Straight Connector 199"/>
             <p:cNvCxnSpPr/>
             <p:nvPr/>
           </p:nvCxnSpPr>
@@ -5751,7 +5751,7 @@
         </p:cxnSp>
         <p:sp>
           <p:nvSpPr>
-            <p:cNvPr id="148" name="TextBox 147"/>
+            <p:cNvPr id="201" name="TextBox 200"/>
             <p:cNvSpPr txBox="1"/>
             <p:nvPr/>
           </p:nvSpPr>
@@ -5781,7 +5781,7 @@
         </p:sp>
         <p:cxnSp>
           <p:nvCxnSpPr>
-            <p:cNvPr id="149" name="Straight Connector 148"/>
+            <p:cNvPr id="202" name="Straight Connector 201"/>
             <p:cNvCxnSpPr/>
             <p:nvPr/>
           </p:nvCxnSpPr>
@@ -5815,7 +5815,7 @@
         </p:cxnSp>
         <p:sp>
           <p:nvSpPr>
-            <p:cNvPr id="150" name="TextBox 149"/>
+            <p:cNvPr id="203" name="TextBox 202"/>
             <p:cNvSpPr txBox="1"/>
             <p:nvPr/>
           </p:nvSpPr>
@@ -5846,13 +5846,13 @@
       </p:grpSp>
       <p:cxnSp>
         <p:nvCxnSpPr>
-          <p:cNvPr id="158" name="Straight Connector 157"/>
+          <p:cNvPr id="211" name="Straight Connector 210"/>
           <p:cNvCxnSpPr/>
           <p:nvPr/>
         </p:nvCxnSpPr>
         <p:spPr>
           <a:xfrm>
-            <a:off x="7349637" y="1184696"/>
+            <a:off x="7349637" y="824979"/>
             <a:ext cx="504000" cy="0"/>
           </a:xfrm>
           <a:prstGeom prst="line">
@@ -5880,13 +5880,13 @@
       </p:cxnSp>
       <p:sp>
         <p:nvSpPr>
-          <p:cNvPr id="159" name="TextBox 158"/>
+          <p:cNvPr id="212" name="TextBox 211"/>
           <p:cNvSpPr txBox="1"/>
           <p:nvPr/>
         </p:nvSpPr>
         <p:spPr>
           <a:xfrm>
-            <a:off x="7056859" y="1148149"/>
+            <a:off x="7056859" y="788432"/>
             <a:ext cx="1332600" cy="400110"/>
           </a:xfrm>
           <a:prstGeom prst="rect">
@@ -5914,13 +5914,13 @@
       </p:sp>
       <p:sp>
         <p:nvSpPr>
-          <p:cNvPr id="160" name="TextBox 159"/>
+          <p:cNvPr id="213" name="TextBox 212"/>
           <p:cNvSpPr txBox="1"/>
           <p:nvPr/>
         </p:nvSpPr>
         <p:spPr>
           <a:xfrm>
-            <a:off x="614720" y="91476"/>
+            <a:off x="614720" y="-8269"/>
             <a:ext cx="642037" cy="477054"/>
           </a:xfrm>
           <a:prstGeom prst="rect">
@@ -5944,13 +5944,13 @@
       </p:sp>
       <p:sp>
         <p:nvSpPr>
-          <p:cNvPr id="161" name="TextBox 160"/>
+          <p:cNvPr id="214" name="TextBox 213"/>
           <p:cNvSpPr txBox="1"/>
           <p:nvPr/>
         </p:nvSpPr>
         <p:spPr>
           <a:xfrm>
-            <a:off x="4974662" y="229612"/>
+            <a:off x="4974662" y="-8269"/>
             <a:ext cx="642037" cy="477054"/>
           </a:xfrm>
           <a:prstGeom prst="rect">
@@ -5974,13 +5974,13 @@
       </p:sp>
       <p:sp>
         <p:nvSpPr>
-          <p:cNvPr id="162" name="TextBox 161"/>
+          <p:cNvPr id="215" name="TextBox 214"/>
           <p:cNvSpPr txBox="1"/>
           <p:nvPr/>
         </p:nvSpPr>
         <p:spPr>
           <a:xfrm>
-            <a:off x="61827" y="1997877"/>
+            <a:off x="61827" y="1638160"/>
             <a:ext cx="645764" cy="477054"/>
           </a:xfrm>
           <a:prstGeom prst="rect">
@@ -6004,13 +6004,13 @@
       </p:sp>
       <p:sp>
         <p:nvSpPr>
-          <p:cNvPr id="163" name="TextBox 162"/>
+          <p:cNvPr id="216" name="TextBox 215"/>
           <p:cNvSpPr txBox="1"/>
           <p:nvPr/>
         </p:nvSpPr>
         <p:spPr>
           <a:xfrm>
-            <a:off x="1082503" y="4667761"/>
+            <a:off x="1082503" y="4308044"/>
             <a:ext cx="645764" cy="477054"/>
           </a:xfrm>
           <a:prstGeom prst="rect">
@@ -6034,13 +6034,13 @@
       </p:sp>
       <p:sp>
         <p:nvSpPr>
-          <p:cNvPr id="164" name="TextBox 163"/>
+          <p:cNvPr id="217" name="TextBox 216"/>
           <p:cNvSpPr txBox="1"/>
           <p:nvPr/>
         </p:nvSpPr>
         <p:spPr>
           <a:xfrm>
-            <a:off x="74391" y="7116033"/>
+            <a:off x="74391" y="7353010"/>
             <a:ext cx="645764" cy="477054"/>
           </a:xfrm>
           <a:prstGeom prst="rect">
@@ -6064,13 +6064,13 @@
       </p:sp>
       <p:sp>
         <p:nvSpPr>
-          <p:cNvPr id="165" name="TextBox 164"/>
+          <p:cNvPr id="218" name="TextBox 217"/>
           <p:cNvSpPr txBox="1"/>
           <p:nvPr/>
         </p:nvSpPr>
         <p:spPr>
           <a:xfrm>
-            <a:off x="1152203" y="9807331"/>
+            <a:off x="1152203" y="10044308"/>
             <a:ext cx="645764" cy="477054"/>
           </a:xfrm>
           <a:prstGeom prst="rect">
@@ -6094,13 +6094,13 @@
       </p:sp>
       <p:sp>
         <p:nvSpPr>
-          <p:cNvPr id="166" name="Freeform 165"/>
+          <p:cNvPr id="219" name="Freeform 218"/>
           <p:cNvSpPr/>
           <p:nvPr/>
         </p:nvSpPr>
         <p:spPr>
           <a:xfrm>
-            <a:off x="749300" y="2903954"/>
+            <a:off x="749300" y="2544237"/>
             <a:ext cx="1870197" cy="1437848"/>
           </a:xfrm>
           <a:custGeom>
@@ -6629,13 +6629,13 @@
       </p:sp>
       <p:sp>
         <p:nvSpPr>
-          <p:cNvPr id="168" name="Freeform 167"/>
+          <p:cNvPr id="220" name="Freeform 219"/>
           <p:cNvSpPr/>
           <p:nvPr/>
         </p:nvSpPr>
         <p:spPr>
           <a:xfrm>
-            <a:off x="2738351" y="2843175"/>
+            <a:off x="2738351" y="2483458"/>
             <a:ext cx="1868514" cy="1324563"/>
           </a:xfrm>
           <a:custGeom>
@@ -7064,13 +7064,13 @@
       </p:sp>
       <p:sp>
         <p:nvSpPr>
-          <p:cNvPr id="170" name="Freeform 169"/>
+          <p:cNvPr id="221" name="Freeform 220"/>
           <p:cNvSpPr/>
           <p:nvPr/>
         </p:nvSpPr>
         <p:spPr>
           <a:xfrm>
-            <a:off x="4763622" y="2808238"/>
+            <a:off x="4763622" y="2448521"/>
             <a:ext cx="1837193" cy="790036"/>
           </a:xfrm>
           <a:custGeom>
@@ -7547,13 +7547,13 @@
       </p:sp>
       <p:sp>
         <p:nvSpPr>
-          <p:cNvPr id="171" name="Freeform 170"/>
+          <p:cNvPr id="222" name="Freeform 221"/>
           <p:cNvSpPr/>
           <p:nvPr/>
         </p:nvSpPr>
         <p:spPr>
           <a:xfrm>
-            <a:off x="757394" y="8026931"/>
+            <a:off x="757394" y="8263908"/>
             <a:ext cx="1854309" cy="1429898"/>
           </a:xfrm>
           <a:custGeom>
@@ -8100,13 +8100,13 @@
       </p:sp>
       <p:sp>
         <p:nvSpPr>
-          <p:cNvPr id="172" name="Freeform 171"/>
+          <p:cNvPr id="223" name="Freeform 222"/>
           <p:cNvSpPr/>
           <p:nvPr/>
         </p:nvSpPr>
         <p:spPr>
           <a:xfrm>
-            <a:off x="2754396" y="7966152"/>
+            <a:off x="2754396" y="8203129"/>
             <a:ext cx="1868514" cy="1324563"/>
           </a:xfrm>
           <a:custGeom>
@@ -8551,13 +8551,13 @@
       </p:sp>
       <p:sp>
         <p:nvSpPr>
-          <p:cNvPr id="173" name="Freeform 172"/>
+          <p:cNvPr id="224" name="Freeform 223"/>
           <p:cNvSpPr/>
           <p:nvPr/>
         </p:nvSpPr>
         <p:spPr>
           <a:xfrm>
-            <a:off x="4763765" y="7931215"/>
+            <a:off x="4763765" y="8168192"/>
             <a:ext cx="1837193" cy="790036"/>
           </a:xfrm>
           <a:custGeom>
@@ -9034,13 +9034,13 @@
       </p:sp>
       <p:sp>
         <p:nvSpPr>
-          <p:cNvPr id="174" name="Freeform 173"/>
+          <p:cNvPr id="225" name="Freeform 224"/>
           <p:cNvSpPr/>
           <p:nvPr/>
         </p:nvSpPr>
         <p:spPr>
           <a:xfrm>
-            <a:off x="6752360" y="7760441"/>
+            <a:off x="6752360" y="7997418"/>
             <a:ext cx="1861047" cy="250234"/>
           </a:xfrm>
           <a:custGeom>
@@ -10013,14 +10013,14 @@
       </p:sp>
       <p:cxnSp>
         <p:nvCxnSpPr>
-          <p:cNvPr id="175" name="Straight Arrow Connector 174"/>
+          <p:cNvPr id="226" name="Straight Arrow Connector 225"/>
           <p:cNvCxnSpPr/>
           <p:nvPr/>
         </p:nvCxnSpPr>
         <p:spPr>
           <a:xfrm>
-            <a:off x="3000661" y="6192614"/>
-            <a:ext cx="0" cy="180000"/>
+            <a:off x="3518432" y="6150877"/>
+            <a:ext cx="0" cy="360000"/>
           </a:xfrm>
           <a:prstGeom prst="straightConnector1">
             <a:avLst/>
@@ -10031,7 +10031,7 @@
                 <a:lumMod val="50000"/>
               </a:schemeClr>
             </a:solidFill>
-            <a:tailEnd type="arrow" w="sm" len="sm"/>
+            <a:tailEnd type="arrow" w="lg" len="lg"/>
           </a:ln>
         </p:spPr>
         <p:style>
@@ -10051,14 +10051,14 @@
       </p:cxnSp>
       <p:cxnSp>
         <p:nvCxnSpPr>
-          <p:cNvPr id="176" name="Straight Arrow Connector 175"/>
+          <p:cNvPr id="227" name="Straight Arrow Connector 226"/>
           <p:cNvCxnSpPr/>
           <p:nvPr/>
         </p:nvCxnSpPr>
         <p:spPr>
           <a:xfrm>
-            <a:off x="3806708" y="5519623"/>
-            <a:ext cx="0" cy="180000"/>
+            <a:off x="4524309" y="5288860"/>
+            <a:ext cx="0" cy="360000"/>
           </a:xfrm>
           <a:prstGeom prst="straightConnector1">
             <a:avLst/>
@@ -10069,7 +10069,7 @@
                 <a:lumMod val="50000"/>
               </a:schemeClr>
             </a:solidFill>
-            <a:tailEnd type="arrow" w="sm" len="sm"/>
+            <a:tailEnd type="arrow" w="lg" len="lg"/>
           </a:ln>
         </p:spPr>
         <p:style>
@@ -10089,14 +10089,14 @@
       </p:cxnSp>
       <p:cxnSp>
         <p:nvCxnSpPr>
-          <p:cNvPr id="177" name="Straight Arrow Connector 176"/>
+          <p:cNvPr id="228" name="Straight Arrow Connector 227"/>
           <p:cNvCxnSpPr/>
           <p:nvPr/>
         </p:nvCxnSpPr>
         <p:spPr>
           <a:xfrm>
-            <a:off x="4365580" y="4881427"/>
-            <a:ext cx="0" cy="180000"/>
+            <a:off x="5280329" y="4425098"/>
+            <a:ext cx="0" cy="360000"/>
           </a:xfrm>
           <a:prstGeom prst="straightConnector1">
             <a:avLst/>
@@ -10107,7 +10107,7 @@
                 <a:lumMod val="50000"/>
               </a:schemeClr>
             </a:solidFill>
-            <a:tailEnd type="arrow" w="sm" len="sm"/>
+            <a:tailEnd type="arrow" w="lg" len="lg"/>
           </a:ln>
         </p:spPr>
         <p:style>
@@ -10127,14 +10127,14 @@
       </p:cxnSp>
       <p:cxnSp>
         <p:nvCxnSpPr>
-          <p:cNvPr id="178" name="Straight Arrow Connector 177"/>
+          <p:cNvPr id="229" name="Straight Arrow Connector 228"/>
           <p:cNvCxnSpPr/>
           <p:nvPr/>
         </p:nvCxnSpPr>
         <p:spPr>
           <a:xfrm>
-            <a:off x="2953161" y="11136658"/>
-            <a:ext cx="0" cy="180000"/>
+            <a:off x="3436620" y="11608227"/>
+            <a:ext cx="0" cy="360000"/>
           </a:xfrm>
           <a:prstGeom prst="straightConnector1">
             <a:avLst/>
@@ -10145,7 +10145,7 @@
                 <a:lumMod val="50000"/>
               </a:schemeClr>
             </a:solidFill>
-            <a:tailEnd type="arrow" w="sm" len="sm"/>
+            <a:tailEnd type="arrow" w="lg" len="lg"/>
           </a:ln>
         </p:spPr>
         <p:style>
@@ -10165,14 +10165,14 @@
       </p:cxnSp>
       <p:cxnSp>
         <p:nvCxnSpPr>
-          <p:cNvPr id="179" name="Straight Arrow Connector 178"/>
+          <p:cNvPr id="230" name="Straight Arrow Connector 229"/>
           <p:cNvCxnSpPr/>
           <p:nvPr/>
         </p:nvCxnSpPr>
         <p:spPr>
           <a:xfrm>
-            <a:off x="3744859" y="10545750"/>
-            <a:ext cx="0" cy="180000"/>
+            <a:off x="4444690" y="10879500"/>
+            <a:ext cx="0" cy="360000"/>
           </a:xfrm>
           <a:prstGeom prst="straightConnector1">
             <a:avLst/>
@@ -10183,7 +10183,7 @@
                 <a:lumMod val="50000"/>
               </a:schemeClr>
             </a:solidFill>
-            <a:tailEnd type="arrow" w="sm" len="sm"/>
+            <a:tailEnd type="arrow" w="lg" len="lg"/>
           </a:ln>
         </p:spPr>
         <p:style>
@@ -10203,14 +10203,14 @@
       </p:cxnSp>
       <p:cxnSp>
         <p:nvCxnSpPr>
-          <p:cNvPr id="180" name="Straight Arrow Connector 179"/>
+          <p:cNvPr id="231" name="Straight Arrow Connector 230"/>
           <p:cNvCxnSpPr/>
           <p:nvPr/>
         </p:nvCxnSpPr>
         <p:spPr>
           <a:xfrm>
-            <a:off x="4326280" y="10164035"/>
-            <a:ext cx="0" cy="180000"/>
+            <a:off x="5245507" y="10368658"/>
+            <a:ext cx="0" cy="360000"/>
           </a:xfrm>
           <a:prstGeom prst="straightConnector1">
             <a:avLst/>
@@ -10221,7 +10221,7 @@
                 <a:lumMod val="50000"/>
               </a:schemeClr>
             </a:solidFill>
-            <a:tailEnd type="arrow" w="sm" len="sm"/>
+            <a:tailEnd type="arrow" w="lg" len="lg"/>
           </a:ln>
         </p:spPr>
         <p:style>
@@ -10241,13 +10241,13 @@
       </p:cxnSp>
       <p:sp>
         <p:nvSpPr>
-          <p:cNvPr id="78" name="TextBox 77"/>
+          <p:cNvPr id="232" name="TextBox 231"/>
           <p:cNvSpPr txBox="1"/>
           <p:nvPr/>
         </p:nvSpPr>
         <p:spPr>
           <a:xfrm>
-            <a:off x="8828484" y="1490013"/>
+            <a:off x="8828484" y="1130296"/>
             <a:ext cx="794645" cy="430887"/>
           </a:xfrm>
           <a:prstGeom prst="rect">
@@ -10270,13 +10270,13 @@
       </p:sp>
       <p:cxnSp>
         <p:nvCxnSpPr>
-          <p:cNvPr id="79" name="Straight Connector 78"/>
+          <p:cNvPr id="233" name="Straight Connector 232"/>
           <p:cNvCxnSpPr/>
           <p:nvPr/>
         </p:nvCxnSpPr>
         <p:spPr>
           <a:xfrm>
-            <a:off x="8641035" y="1448059"/>
+            <a:off x="8641035" y="1088342"/>
             <a:ext cx="261296" cy="239742"/>
           </a:xfrm>
           <a:prstGeom prst="line">

--- a/Chapter7/Figures/Fig4.pptx
+++ b/Chapter7/Figures/Fig4.pptx
@@ -288,7 +288,7 @@
           <a:p>
             <a:fld id="{4D792E19-0BEC-4B8D-B7D3-C8ECEB03A1A5}" type="datetimeFigureOut">
               <a:rPr lang="en-GB" smtClean="0"/>
-              <a:t>10/09/2014</a:t>
+              <a:t>19/10/2014</a:t>
             </a:fld>
             <a:endParaRPr lang="en-GB"/>
           </a:p>
@@ -458,7 +458,7 @@
           <a:p>
             <a:fld id="{4D792E19-0BEC-4B8D-B7D3-C8ECEB03A1A5}" type="datetimeFigureOut">
               <a:rPr lang="en-GB" smtClean="0"/>
-              <a:t>10/09/2014</a:t>
+              <a:t>19/10/2014</a:t>
             </a:fld>
             <a:endParaRPr lang="en-GB"/>
           </a:p>
@@ -638,7 +638,7 @@
           <a:p>
             <a:fld id="{4D792E19-0BEC-4B8D-B7D3-C8ECEB03A1A5}" type="datetimeFigureOut">
               <a:rPr lang="en-GB" smtClean="0"/>
-              <a:t>10/09/2014</a:t>
+              <a:t>19/10/2014</a:t>
             </a:fld>
             <a:endParaRPr lang="en-GB"/>
           </a:p>
@@ -808,7 +808,7 @@
           <a:p>
             <a:fld id="{4D792E19-0BEC-4B8D-B7D3-C8ECEB03A1A5}" type="datetimeFigureOut">
               <a:rPr lang="en-GB" smtClean="0"/>
-              <a:t>10/09/2014</a:t>
+              <a:t>19/10/2014</a:t>
             </a:fld>
             <a:endParaRPr lang="en-GB"/>
           </a:p>
@@ -1054,7 +1054,7 @@
           <a:p>
             <a:fld id="{4D792E19-0BEC-4B8D-B7D3-C8ECEB03A1A5}" type="datetimeFigureOut">
               <a:rPr lang="en-GB" smtClean="0"/>
-              <a:t>10/09/2014</a:t>
+              <a:t>19/10/2014</a:t>
             </a:fld>
             <a:endParaRPr lang="en-GB"/>
           </a:p>
@@ -1342,7 +1342,7 @@
           <a:p>
             <a:fld id="{4D792E19-0BEC-4B8D-B7D3-C8ECEB03A1A5}" type="datetimeFigureOut">
               <a:rPr lang="en-GB" smtClean="0"/>
-              <a:t>10/09/2014</a:t>
+              <a:t>19/10/2014</a:t>
             </a:fld>
             <a:endParaRPr lang="en-GB"/>
           </a:p>
@@ -1764,7 +1764,7 @@
           <a:p>
             <a:fld id="{4D792E19-0BEC-4B8D-B7D3-C8ECEB03A1A5}" type="datetimeFigureOut">
               <a:rPr lang="en-GB" smtClean="0"/>
-              <a:t>10/09/2014</a:t>
+              <a:t>19/10/2014</a:t>
             </a:fld>
             <a:endParaRPr lang="en-GB"/>
           </a:p>
@@ -1882,7 +1882,7 @@
           <a:p>
             <a:fld id="{4D792E19-0BEC-4B8D-B7D3-C8ECEB03A1A5}" type="datetimeFigureOut">
               <a:rPr lang="en-GB" smtClean="0"/>
-              <a:t>10/09/2014</a:t>
+              <a:t>19/10/2014</a:t>
             </a:fld>
             <a:endParaRPr lang="en-GB"/>
           </a:p>
@@ -1977,7 +1977,7 @@
           <a:p>
             <a:fld id="{4D792E19-0BEC-4B8D-B7D3-C8ECEB03A1A5}" type="datetimeFigureOut">
               <a:rPr lang="en-GB" smtClean="0"/>
-              <a:t>10/09/2014</a:t>
+              <a:t>19/10/2014</a:t>
             </a:fld>
             <a:endParaRPr lang="en-GB"/>
           </a:p>
@@ -2254,7 +2254,7 @@
           <a:p>
             <a:fld id="{4D792E19-0BEC-4B8D-B7D3-C8ECEB03A1A5}" type="datetimeFigureOut">
               <a:rPr lang="en-GB" smtClean="0"/>
-              <a:t>10/09/2014</a:t>
+              <a:t>19/10/2014</a:t>
             </a:fld>
             <a:endParaRPr lang="en-GB"/>
           </a:p>
@@ -2507,7 +2507,7 @@
           <a:p>
             <a:fld id="{4D792E19-0BEC-4B8D-B7D3-C8ECEB03A1A5}" type="datetimeFigureOut">
               <a:rPr lang="en-GB" smtClean="0"/>
-              <a:t>10/09/2014</a:t>
+              <a:t>19/10/2014</a:t>
             </a:fld>
             <a:endParaRPr lang="en-GB"/>
           </a:p>
@@ -2720,7 +2720,7 @@
           <a:p>
             <a:fld id="{4D792E19-0BEC-4B8D-B7D3-C8ECEB03A1A5}" type="datetimeFigureOut">
               <a:rPr lang="en-GB" smtClean="0"/>
-              <a:t>10/09/2014</a:t>
+              <a:t>19/10/2014</a:t>
             </a:fld>
             <a:endParaRPr lang="en-GB"/>
           </a:p>
@@ -3097,7 +3097,7 @@
       </p:grpSpPr>
       <p:pic>
         <p:nvPicPr>
-          <p:cNvPr id="83" name="Picture 14" descr="C:\Users\Wendy\Documents\wwn20\Thesis\Chapter7\Figures\Fig4\Spec_TE.png"/>
+          <p:cNvPr id="1026" name="Picture 2" descr="C:\Users\Wendy\Documents\wwn20\Thesis\Chapter7\Figures\Fig4\Spec_TE.png"/>
           <p:cNvPicPr>
             <a:picLocks noChangeAspect="1" noChangeArrowheads="1"/>
           </p:cNvPicPr>
@@ -3118,8 +3118,8 @@
         </p:blipFill>
         <p:spPr bwMode="auto">
           <a:xfrm>
-            <a:off x="1363298" y="10036673"/>
-            <a:ext cx="4680000" cy="3177528"/>
+            <a:off x="1363336" y="10036674"/>
+            <a:ext cx="4680000" cy="3177527"/>
           </a:xfrm>
           <a:prstGeom prst="rect">
             <a:avLst/>
@@ -10171,7 +10171,7 @@
         </p:nvCxnSpPr>
         <p:spPr>
           <a:xfrm>
-            <a:off x="4444690" y="10879500"/>
+            <a:off x="4444690" y="10811260"/>
             <a:ext cx="0" cy="360000"/>
           </a:xfrm>
           <a:prstGeom prst="straightConnector1">
@@ -10209,7 +10209,7 @@
         </p:nvCxnSpPr>
         <p:spPr>
           <a:xfrm>
-            <a:off x="5245507" y="10368658"/>
+            <a:off x="5245507" y="10175894"/>
             <a:ext cx="0" cy="360000"/>
           </a:xfrm>
           <a:prstGeom prst="straightConnector1">
